--- a/Presentation/File System extension_final presentation_Pietzak_Roberts.pptx
+++ b/Presentation/File System extension_final presentation_Pietzak_Roberts.pptx
@@ -11387,7 +11387,7 @@
         <p:spPr>
           <a:xfrm>
             <a:off x="3141261" y="1423354"/>
-            <a:ext cx="8033680" cy="400110"/>
+            <a:ext cx="8033680" cy="369332"/>
           </a:xfrm>
           <a:prstGeom prst="rect">
             <a:avLst/>
@@ -11401,27 +11401,27 @@
           <a:lstStyle/>
           <a:p>
             <a:r>
-              <a:rPr lang="de-CH" sz="2000" b="1" dirty="0" err="1"/>
+              <a:rPr lang="de-CH" b="1" dirty="0" err="1"/>
               <a:t>Usage</a:t>
             </a:r>
             <a:r>
-              <a:rPr lang="de-CH" sz="2000" b="1" dirty="0"/>
+              <a:rPr lang="de-CH" b="1" dirty="0"/>
               <a:t>: </a:t>
             </a:r>
             <a:r>
-              <a:rPr lang="de-CH" sz="2000" b="1" dirty="0" err="1"/>
+              <a:rPr lang="de-CH" b="1" dirty="0" err="1"/>
               <a:t>eftas</a:t>
             </a:r>
             <a:r>
-              <a:rPr lang="de-CH" sz="2000" b="1" dirty="0"/>
+              <a:rPr lang="de-CH" b="1" dirty="0"/>
               <a:t> {</a:t>
             </a:r>
             <a:r>
-              <a:rPr lang="de-CH" sz="2000" b="1" dirty="0" err="1"/>
-              <a:t>help|mkfile|tagFile|ls|deleteTag|newTag|showAllTags</a:t>
-            </a:r>
-            <a:r>
-              <a:rPr lang="de-CH" sz="2000" b="1" dirty="0"/>
+              <a:rPr lang="de-CH" b="1" dirty="0" err="1"/>
+              <a:t>help|mkfile|tagFile|ls|deleteTag|listAll|newTag|showAllTags</a:t>
+            </a:r>
+            <a:r>
+              <a:rPr lang="de-CH" b="1" dirty="0"/>
               <a:t>}</a:t>
             </a:r>
           </a:p>
@@ -15844,18 +15844,9 @@
           <a:lstStyle/>
           <a:p>
             <a:r>
-              <a:rPr lang="de-CH" dirty="0" err="1"/>
-              <a:t>Good</a:t>
-            </a:r>
-            <a:r>
-              <a:rPr lang="de-CH" dirty="0"/>
-              <a:t> </a:t>
-            </a:r>
-            <a:r>
-              <a:rPr lang="de-CH" dirty="0" err="1"/>
-              <a:t>teamwork</a:t>
-            </a:r>
-            <a:endParaRPr lang="de-CH" dirty="0"/>
+              <a:rPr lang="en-GB"/>
+              <a:t>Good teamwork</a:t>
+            </a:r>
           </a:p>
           <a:p>
             <a:pPr marL="285750" indent="-285750">
@@ -15863,22 +15854,9 @@
               <a:buChar char="•"/>
             </a:pPr>
             <a:r>
-              <a:rPr lang="de-CH" dirty="0"/>
-              <a:t>Inform Partner </a:t>
-            </a:r>
-            <a:r>
-              <a:rPr lang="de-CH" dirty="0" err="1"/>
-              <a:t>of</a:t>
-            </a:r>
-            <a:r>
-              <a:rPr lang="de-CH" dirty="0"/>
-              <a:t> </a:t>
-            </a:r>
-            <a:r>
-              <a:rPr lang="de-CH" dirty="0" err="1"/>
-              <a:t>changes</a:t>
-            </a:r>
-            <a:endParaRPr lang="de-CH" dirty="0"/>
+              <a:rPr lang="en-GB" dirty="0"/>
+              <a:t>Inform Partner of changes</a:t>
+            </a:r>
           </a:p>
           <a:p>
             <a:pPr marL="285750" indent="-285750">
@@ -15886,36 +15864,8 @@
               <a:buChar char="•"/>
             </a:pPr>
             <a:r>
-              <a:rPr lang="de-CH" dirty="0" err="1"/>
-              <a:t>Regularly</a:t>
-            </a:r>
-            <a:r>
-              <a:rPr lang="de-CH" dirty="0"/>
-              <a:t> check </a:t>
-            </a:r>
-            <a:r>
-              <a:rPr lang="de-CH" dirty="0" err="1"/>
-              <a:t>up</a:t>
-            </a:r>
-            <a:r>
-              <a:rPr lang="de-CH" dirty="0"/>
-              <a:t> on </a:t>
-            </a:r>
-            <a:r>
-              <a:rPr lang="de-CH" dirty="0" err="1"/>
-              <a:t>current</a:t>
-            </a:r>
-            <a:r>
-              <a:rPr lang="de-CH" dirty="0"/>
-              <a:t> </a:t>
-            </a:r>
-            <a:r>
-              <a:rPr lang="de-CH" dirty="0" err="1"/>
-              <a:t>status</a:t>
-            </a:r>
-            <a:r>
-              <a:rPr lang="de-CH" dirty="0"/>
-              <a:t> and time plan</a:t>
+              <a:rPr lang="en-GB" dirty="0"/>
+              <a:t>Regularly check up on current status and time plan</a:t>
             </a:r>
           </a:p>
         </p:txBody>
@@ -15988,18 +15938,9 @@
           <a:lstStyle/>
           <a:p>
             <a:r>
-              <a:rPr lang="de-CH" dirty="0" err="1"/>
-              <a:t>Worklfow</a:t>
-            </a:r>
-            <a:r>
-              <a:rPr lang="de-CH" dirty="0"/>
-              <a:t> </a:t>
-            </a:r>
-            <a:r>
-              <a:rPr lang="de-CH" dirty="0" err="1"/>
-              <a:t>imporvements</a:t>
-            </a:r>
-            <a:endParaRPr lang="de-CH" dirty="0"/>
+              <a:rPr lang="en-GB" dirty="0"/>
+              <a:t>Workflow improvements</a:t>
+            </a:r>
           </a:p>
           <a:p>
             <a:pPr marL="285750" indent="-285750">
@@ -16007,58 +15948,9 @@
               <a:buChar char="•"/>
             </a:pPr>
             <a:r>
-              <a:rPr lang="de-CH" dirty="0" err="1"/>
-              <a:t>Make</a:t>
-            </a:r>
-            <a:r>
-              <a:rPr lang="de-CH" dirty="0"/>
-              <a:t> </a:t>
-            </a:r>
-            <a:r>
-              <a:rPr lang="de-CH" dirty="0" err="1"/>
-              <a:t>note</a:t>
-            </a:r>
-            <a:r>
-              <a:rPr lang="de-CH" dirty="0"/>
-              <a:t> </a:t>
-            </a:r>
-            <a:r>
-              <a:rPr lang="de-CH" dirty="0" err="1"/>
-              <a:t>of</a:t>
-            </a:r>
-            <a:r>
-              <a:rPr lang="de-CH" dirty="0"/>
-              <a:t> </a:t>
-            </a:r>
-            <a:r>
-              <a:rPr lang="de-CH" dirty="0" err="1"/>
-              <a:t>solution</a:t>
-            </a:r>
-            <a:r>
-              <a:rPr lang="de-CH" dirty="0"/>
-              <a:t> </a:t>
-            </a:r>
-            <a:r>
-              <a:rPr lang="de-CH" dirty="0" err="1"/>
-              <a:t>steps</a:t>
-            </a:r>
-            <a:r>
-              <a:rPr lang="de-CH" dirty="0"/>
-              <a:t> / </a:t>
-            </a:r>
-            <a:r>
-              <a:rPr lang="de-CH" dirty="0" err="1"/>
-              <a:t>helpfull</a:t>
-            </a:r>
-            <a:r>
-              <a:rPr lang="de-CH" dirty="0"/>
-              <a:t> </a:t>
-            </a:r>
-            <a:r>
-              <a:rPr lang="de-CH" dirty="0" err="1"/>
-              <a:t>information</a:t>
-            </a:r>
-            <a:endParaRPr lang="de-CH" dirty="0"/>
+              <a:rPr lang="en-GB" dirty="0"/>
+              <a:t>Make note of solution steps / helpful information</a:t>
+            </a:r>
           </a:p>
           <a:p>
             <a:pPr marL="742950" lvl="1" indent="-285750">
@@ -16066,74 +15958,9 @@
               <a:buChar char="Ø"/>
             </a:pPr>
             <a:r>
-              <a:rPr lang="de-CH" dirty="0" err="1"/>
-              <a:t>Later</a:t>
-            </a:r>
-            <a:r>
-              <a:rPr lang="de-CH" dirty="0"/>
-              <a:t> on </a:t>
-            </a:r>
-            <a:r>
-              <a:rPr lang="de-CH" dirty="0" err="1"/>
-              <a:t>more</a:t>
-            </a:r>
-            <a:r>
-              <a:rPr lang="de-CH" dirty="0"/>
-              <a:t> </a:t>
-            </a:r>
-            <a:r>
-              <a:rPr lang="de-CH" dirty="0" err="1"/>
-              <a:t>comprehensible</a:t>
-            </a:r>
-            <a:r>
-              <a:rPr lang="de-CH" dirty="0"/>
-              <a:t> </a:t>
-            </a:r>
-            <a:r>
-              <a:rPr lang="de-CH" dirty="0" err="1"/>
-              <a:t>what</a:t>
-            </a:r>
-            <a:r>
-              <a:rPr lang="de-CH" dirty="0"/>
-              <a:t> was </a:t>
-            </a:r>
-            <a:r>
-              <a:rPr lang="de-CH" dirty="0" err="1"/>
-              <a:t>done</a:t>
-            </a:r>
-            <a:r>
-              <a:rPr lang="de-CH" dirty="0"/>
-              <a:t> and </a:t>
-            </a:r>
-            <a:r>
-              <a:rPr lang="de-CH" dirty="0" err="1"/>
-              <a:t>it</a:t>
-            </a:r>
-            <a:r>
-              <a:rPr lang="de-CH" dirty="0"/>
-              <a:t> </a:t>
-            </a:r>
-            <a:r>
-              <a:rPr lang="de-CH" dirty="0" err="1"/>
-              <a:t>can</a:t>
-            </a:r>
-            <a:r>
-              <a:rPr lang="de-CH" dirty="0"/>
-              <a:t> </a:t>
-            </a:r>
-            <a:r>
-              <a:rPr lang="de-CH" dirty="0" err="1"/>
-              <a:t>be</a:t>
-            </a:r>
-            <a:r>
-              <a:rPr lang="de-CH" dirty="0"/>
-              <a:t> </a:t>
-            </a:r>
-            <a:r>
-              <a:rPr lang="de-CH" dirty="0" err="1"/>
-              <a:t>recreated</a:t>
-            </a:r>
-            <a:endParaRPr lang="de-CH" dirty="0"/>
+              <a:rPr lang="en-GB" dirty="0"/>
+              <a:t>Later on more comprehensible what was done, and it can be recreated</a:t>
+            </a:r>
           </a:p>
         </p:txBody>
       </p:sp>

--- a/Presentation/File System extension_final presentation_Pietzak_Roberts.pptx
+++ b/Presentation/File System extension_final presentation_Pietzak_Roberts.pptx
@@ -480,6 +480,90 @@
     </a:lvl9pPr>
   </p:notesStyle>
 </p:notesMaster>
+</file>
+
+<file path=ppt/notesSlides/notesSlide1.xml><?xml version="1.0" encoding="utf-8"?>
+<p:notes xmlns:a="http://schemas.openxmlformats.org/drawingml/2006/main" xmlns:r="http://schemas.openxmlformats.org/officeDocument/2006/relationships" xmlns:p="http://schemas.openxmlformats.org/presentationml/2006/main">
+  <p:cSld>
+    <p:spTree>
+      <p:nvGrpSpPr>
+        <p:cNvPr id="1" name=""/>
+        <p:cNvGrpSpPr/>
+        <p:nvPr/>
+      </p:nvGrpSpPr>
+      <p:grpSpPr>
+        <a:xfrm>
+          <a:off x="0" y="0"/>
+          <a:ext cx="0" cy="0"/>
+          <a:chOff x="0" y="0"/>
+          <a:chExt cx="0" cy="0"/>
+        </a:xfrm>
+      </p:grpSpPr>
+      <p:sp>
+        <p:nvSpPr>
+          <p:cNvPr id="2" name="Folienbildplatzhalter 1"/>
+          <p:cNvSpPr>
+            <a:spLocks noGrp="1" noRot="1" noChangeAspect="1"/>
+          </p:cNvSpPr>
+          <p:nvPr>
+            <p:ph type="sldImg"/>
+          </p:nvPr>
+        </p:nvSpPr>
+        <p:spPr/>
+      </p:sp>
+      <p:sp>
+        <p:nvSpPr>
+          <p:cNvPr id="3" name="Notizenplatzhalter 2"/>
+          <p:cNvSpPr>
+            <a:spLocks noGrp="1"/>
+          </p:cNvSpPr>
+          <p:nvPr>
+            <p:ph type="body" idx="1"/>
+          </p:nvPr>
+        </p:nvSpPr>
+        <p:spPr/>
+        <p:txBody>
+          <a:bodyPr/>
+          <a:lstStyle/>
+          <a:p>
+            <a:endParaRPr lang="de-CH" dirty="0"/>
+          </a:p>
+        </p:txBody>
+      </p:sp>
+      <p:sp>
+        <p:nvSpPr>
+          <p:cNvPr id="4" name="Foliennummernplatzhalter 3"/>
+          <p:cNvSpPr>
+            <a:spLocks noGrp="1"/>
+          </p:cNvSpPr>
+          <p:nvPr>
+            <p:ph type="sldNum" sz="quarter" idx="5"/>
+          </p:nvPr>
+        </p:nvSpPr>
+        <p:spPr/>
+        <p:txBody>
+          <a:bodyPr/>
+          <a:lstStyle/>
+          <a:p>
+            <a:fld id="{B687A45C-DF42-454D-AB0C-67E6F0221FB0}" type="slidenum">
+              <a:rPr lang="de-CH" smtClean="0"/>
+              <a:t>4</a:t>
+            </a:fld>
+            <a:endParaRPr lang="de-CH"/>
+          </a:p>
+        </p:txBody>
+      </p:sp>
+    </p:spTree>
+    <p:extLst>
+      <p:ext uri="{BB962C8B-B14F-4D97-AF65-F5344CB8AC3E}">
+        <p14:creationId xmlns:p14="http://schemas.microsoft.com/office/powerpoint/2010/main" val="513316574"/>
+      </p:ext>
+    </p:extLst>
+  </p:cSld>
+  <p:clrMapOvr>
+    <a:masterClrMapping/>
+  </p:clrMapOvr>
+</p:notes>
 </file>
 
 <file path=ppt/slideLayouts/slideLayout1.xml><?xml version="1.0" encoding="utf-8"?>
@@ -8831,13 +8915,13 @@
           <p:nvPr/>
         </p:nvPicPr>
         <p:blipFill>
-          <a:blip r:embed="rId2">
+          <a:blip r:embed="rId3">
             <a:extLst>
               <a:ext uri="{28A0092B-C50C-407E-A947-70E740481C1C}">
                 <a14:useLocalDpi xmlns:a14="http://schemas.microsoft.com/office/drawing/2010/main" val="0"/>
               </a:ext>
               <a:ext uri="{96DAC541-7B7A-43D3-8B79-37D633B846F1}">
-                <asvg:svgBlip xmlns:asvg="http://schemas.microsoft.com/office/drawing/2016/SVG/main" r:embed="rId3"/>
+                <asvg:svgBlip xmlns:asvg="http://schemas.microsoft.com/office/drawing/2016/SVG/main" r:embed="rId4"/>
               </a:ext>
             </a:extLst>
           </a:blip>
@@ -8870,13 +8954,13 @@
           <p:nvPr/>
         </p:nvPicPr>
         <p:blipFill>
-          <a:blip r:embed="rId4">
+          <a:blip r:embed="rId5">
             <a:extLst>
               <a:ext uri="{28A0092B-C50C-407E-A947-70E740481C1C}">
                 <a14:useLocalDpi xmlns:a14="http://schemas.microsoft.com/office/drawing/2010/main" val="0"/>
               </a:ext>
               <a:ext uri="{96DAC541-7B7A-43D3-8B79-37D633B846F1}">
-                <asvg:svgBlip xmlns:asvg="http://schemas.microsoft.com/office/drawing/2016/SVG/main" r:embed="rId5"/>
+                <asvg:svgBlip xmlns:asvg="http://schemas.microsoft.com/office/drawing/2016/SVG/main" r:embed="rId6"/>
               </a:ext>
             </a:extLst>
           </a:blip>
@@ -8909,13 +8993,13 @@
           <p:nvPr/>
         </p:nvPicPr>
         <p:blipFill>
-          <a:blip r:embed="rId6">
+          <a:blip r:embed="rId7">
             <a:extLst>
               <a:ext uri="{28A0092B-C50C-407E-A947-70E740481C1C}">
                 <a14:useLocalDpi xmlns:a14="http://schemas.microsoft.com/office/drawing/2010/main" val="0"/>
               </a:ext>
               <a:ext uri="{96DAC541-7B7A-43D3-8B79-37D633B846F1}">
-                <asvg:svgBlip xmlns:asvg="http://schemas.microsoft.com/office/drawing/2016/SVG/main" r:embed="rId7"/>
+                <asvg:svgBlip xmlns:asvg="http://schemas.microsoft.com/office/drawing/2016/SVG/main" r:embed="rId8"/>
               </a:ext>
             </a:extLst>
           </a:blip>
@@ -8948,13 +9032,13 @@
           <p:nvPr/>
         </p:nvPicPr>
         <p:blipFill>
-          <a:blip r:embed="rId8">
+          <a:blip r:embed="rId9">
             <a:extLst>
               <a:ext uri="{28A0092B-C50C-407E-A947-70E740481C1C}">
                 <a14:useLocalDpi xmlns:a14="http://schemas.microsoft.com/office/drawing/2010/main" val="0"/>
               </a:ext>
               <a:ext uri="{96DAC541-7B7A-43D3-8B79-37D633B846F1}">
-                <asvg:svgBlip xmlns:asvg="http://schemas.microsoft.com/office/drawing/2016/SVG/main" r:embed="rId9"/>
+                <asvg:svgBlip xmlns:asvg="http://schemas.microsoft.com/office/drawing/2016/SVG/main" r:embed="rId10"/>
               </a:ext>
             </a:extLst>
           </a:blip>
@@ -8987,13 +9071,13 @@
           <p:nvPr/>
         </p:nvPicPr>
         <p:blipFill>
-          <a:blip r:embed="rId10">
+          <a:blip r:embed="rId11">
             <a:extLst>
               <a:ext uri="{28A0092B-C50C-407E-A947-70E740481C1C}">
                 <a14:useLocalDpi xmlns:a14="http://schemas.microsoft.com/office/drawing/2010/main" val="0"/>
               </a:ext>
               <a:ext uri="{96DAC541-7B7A-43D3-8B79-37D633B846F1}">
-                <asvg:svgBlip xmlns:asvg="http://schemas.microsoft.com/office/drawing/2016/SVG/main" r:embed="rId11"/>
+                <asvg:svgBlip xmlns:asvg="http://schemas.microsoft.com/office/drawing/2016/SVG/main" r:embed="rId12"/>
               </a:ext>
             </a:extLst>
           </a:blip>
@@ -9026,13 +9110,13 @@
           <p:nvPr/>
         </p:nvPicPr>
         <p:blipFill>
-          <a:blip r:embed="rId12">
+          <a:blip r:embed="rId13">
             <a:extLst>
               <a:ext uri="{28A0092B-C50C-407E-A947-70E740481C1C}">
                 <a14:useLocalDpi xmlns:a14="http://schemas.microsoft.com/office/drawing/2010/main" val="0"/>
               </a:ext>
               <a:ext uri="{96DAC541-7B7A-43D3-8B79-37D633B846F1}">
-                <asvg:svgBlip xmlns:asvg="http://schemas.microsoft.com/office/drawing/2016/SVG/main" r:embed="rId13"/>
+                <asvg:svgBlip xmlns:asvg="http://schemas.microsoft.com/office/drawing/2016/SVG/main" r:embed="rId14"/>
               </a:ext>
             </a:extLst>
           </a:blip>
@@ -9654,10 +9738,10 @@
       </p:sp>
       <p:pic>
         <p:nvPicPr>
-          <p:cNvPr id="3" name="Grafik 2" descr="Ein Bild, das Diagramm, Reihe enthält.&#10;&#10;Automatisch generierte Beschreibung">
-            <a:extLst>
-              <a:ext uri="{FF2B5EF4-FFF2-40B4-BE49-F238E27FC236}">
-                <a16:creationId xmlns:a16="http://schemas.microsoft.com/office/drawing/2014/main" id="{78BBC98D-D8CD-C0FE-D0FE-1838AD5629DA}"/>
+          <p:cNvPr id="20" name="Grafik 19">
+            <a:extLst>
+              <a:ext uri="{FF2B5EF4-FFF2-40B4-BE49-F238E27FC236}">
+                <a16:creationId xmlns:a16="http://schemas.microsoft.com/office/drawing/2014/main" id="{71192E3C-5B11-BE5A-2B00-6CCB244DB068}"/>
               </a:ext>
             </a:extLst>
           </p:cNvPr>
@@ -9667,21 +9751,15 @@
           <p:nvPr/>
         </p:nvPicPr>
         <p:blipFill>
-          <a:blip r:embed="rId14">
-            <a:extLst>
-              <a:ext uri="{28A0092B-C50C-407E-A947-70E740481C1C}">
-                <a14:useLocalDpi xmlns:a14="http://schemas.microsoft.com/office/drawing/2010/main" val="0"/>
-              </a:ext>
-            </a:extLst>
-          </a:blip>
+          <a:blip r:embed="rId15"/>
           <a:stretch>
             <a:fillRect/>
           </a:stretch>
         </p:blipFill>
         <p:spPr>
           <a:xfrm>
-            <a:off x="4316309" y="2275223"/>
-            <a:ext cx="6948152" cy="3490061"/>
+            <a:off x="4263131" y="2266536"/>
+            <a:ext cx="7033012" cy="3467091"/>
           </a:xfrm>
           <a:prstGeom prst="rect">
             <a:avLst/>
@@ -10863,7 +10941,7 @@
           <p:nvPr/>
         </p:nvPicPr>
         <p:blipFill>
-          <a:blip r:embed="rId15"/>
+          <a:blip r:embed="rId16"/>
           <a:stretch>
             <a:fillRect/>
           </a:stretch>
